--- a/Programacao-Algoritimo/Cpp/aula-23-11/fluxograma.pptx
+++ b/Programacao-Algoritimo/Cpp/aula-23-11/fluxograma.pptx
@@ -104,6 +104,11 @@
       </a:defRPr>
     </a:lvl9pPr>
   </p:defaultTextStyle>
+  <p:extLst>
+    <p:ext uri="{EFAFB233-063F-42B5-8137-9DF3F51BA10A}">
+      <p15:sldGuideLst xmlns:p15="http://schemas.microsoft.com/office/powerpoint/2012/main"/>
+    </p:ext>
+  </p:extLst>
 </p:presentation>
 </file>
 
@@ -254,7 +259,7 @@
           <a:p>
             <a:fld id="{AA2DE81F-761D-455A-AB23-F72CC1F15CA6}" type="datetimeFigureOut">
               <a:rPr lang="pt-BR" smtClean="0"/>
-              <a:t>23/11/2021</a:t>
+              <a:t>24/11/2021</a:t>
             </a:fld>
             <a:endParaRPr lang="pt-BR"/>
           </a:p>
@@ -452,7 +457,7 @@
           <a:p>
             <a:fld id="{AA2DE81F-761D-455A-AB23-F72CC1F15CA6}" type="datetimeFigureOut">
               <a:rPr lang="pt-BR" smtClean="0"/>
-              <a:t>23/11/2021</a:t>
+              <a:t>24/11/2021</a:t>
             </a:fld>
             <a:endParaRPr lang="pt-BR"/>
           </a:p>
@@ -660,7 +665,7 @@
           <a:p>
             <a:fld id="{AA2DE81F-761D-455A-AB23-F72CC1F15CA6}" type="datetimeFigureOut">
               <a:rPr lang="pt-BR" smtClean="0"/>
-              <a:t>23/11/2021</a:t>
+              <a:t>24/11/2021</a:t>
             </a:fld>
             <a:endParaRPr lang="pt-BR"/>
           </a:p>
@@ -858,7 +863,7 @@
           <a:p>
             <a:fld id="{AA2DE81F-761D-455A-AB23-F72CC1F15CA6}" type="datetimeFigureOut">
               <a:rPr lang="pt-BR" smtClean="0"/>
-              <a:t>23/11/2021</a:t>
+              <a:t>24/11/2021</a:t>
             </a:fld>
             <a:endParaRPr lang="pt-BR"/>
           </a:p>
@@ -1133,7 +1138,7 @@
           <a:p>
             <a:fld id="{AA2DE81F-761D-455A-AB23-F72CC1F15CA6}" type="datetimeFigureOut">
               <a:rPr lang="pt-BR" smtClean="0"/>
-              <a:t>23/11/2021</a:t>
+              <a:t>24/11/2021</a:t>
             </a:fld>
             <a:endParaRPr lang="pt-BR"/>
           </a:p>
@@ -1398,7 +1403,7 @@
           <a:p>
             <a:fld id="{AA2DE81F-761D-455A-AB23-F72CC1F15CA6}" type="datetimeFigureOut">
               <a:rPr lang="pt-BR" smtClean="0"/>
-              <a:t>23/11/2021</a:t>
+              <a:t>24/11/2021</a:t>
             </a:fld>
             <a:endParaRPr lang="pt-BR"/>
           </a:p>
@@ -1810,7 +1815,7 @@
           <a:p>
             <a:fld id="{AA2DE81F-761D-455A-AB23-F72CC1F15CA6}" type="datetimeFigureOut">
               <a:rPr lang="pt-BR" smtClean="0"/>
-              <a:t>23/11/2021</a:t>
+              <a:t>24/11/2021</a:t>
             </a:fld>
             <a:endParaRPr lang="pt-BR"/>
           </a:p>
@@ -1951,7 +1956,7 @@
           <a:p>
             <a:fld id="{AA2DE81F-761D-455A-AB23-F72CC1F15CA6}" type="datetimeFigureOut">
               <a:rPr lang="pt-BR" smtClean="0"/>
-              <a:t>23/11/2021</a:t>
+              <a:t>24/11/2021</a:t>
             </a:fld>
             <a:endParaRPr lang="pt-BR"/>
           </a:p>
@@ -2064,7 +2069,7 @@
           <a:p>
             <a:fld id="{AA2DE81F-761D-455A-AB23-F72CC1F15CA6}" type="datetimeFigureOut">
               <a:rPr lang="pt-BR" smtClean="0"/>
-              <a:t>23/11/2021</a:t>
+              <a:t>24/11/2021</a:t>
             </a:fld>
             <a:endParaRPr lang="pt-BR"/>
           </a:p>
@@ -2375,7 +2380,7 @@
           <a:p>
             <a:fld id="{AA2DE81F-761D-455A-AB23-F72CC1F15CA6}" type="datetimeFigureOut">
               <a:rPr lang="pt-BR" smtClean="0"/>
-              <a:t>23/11/2021</a:t>
+              <a:t>24/11/2021</a:t>
             </a:fld>
             <a:endParaRPr lang="pt-BR"/>
           </a:p>
@@ -2663,7 +2668,7 @@
           <a:p>
             <a:fld id="{AA2DE81F-761D-455A-AB23-F72CC1F15CA6}" type="datetimeFigureOut">
               <a:rPr lang="pt-BR" smtClean="0"/>
-              <a:t>23/11/2021</a:t>
+              <a:t>24/11/2021</a:t>
             </a:fld>
             <a:endParaRPr lang="pt-BR"/>
           </a:p>
@@ -2904,7 +2909,7 @@
           <a:p>
             <a:fld id="{AA2DE81F-761D-455A-AB23-F72CC1F15CA6}" type="datetimeFigureOut">
               <a:rPr lang="pt-BR" smtClean="0"/>
-              <a:t>23/11/2021</a:t>
+              <a:t>24/11/2021</a:t>
             </a:fld>
             <a:endParaRPr lang="pt-BR"/>
           </a:p>
@@ -3730,9 +3735,9 @@
         <p:grpSpPr>
           <a:xfrm>
             <a:off x="5308456" y="1636569"/>
-            <a:ext cx="1392380" cy="3886615"/>
+            <a:ext cx="1392380" cy="4588982"/>
             <a:chOff x="5933210" y="841664"/>
-            <a:chExt cx="1392380" cy="3886615"/>
+            <a:chExt cx="1392380" cy="4588982"/>
           </a:xfrm>
         </p:grpSpPr>
         <p:sp>
@@ -3945,7 +3950,7 @@
           </p:nvSpPr>
           <p:spPr>
             <a:xfrm>
-              <a:off x="6172200" y="4426527"/>
+              <a:off x="6172200" y="5128894"/>
               <a:ext cx="914400" cy="301752"/>
             </a:xfrm>
             <a:prstGeom prst="flowChartTerminator">
@@ -4088,12 +4093,12 @@
           <p:spPr>
             <a:xfrm flipH="1">
               <a:off x="6629400" y="1811032"/>
-              <a:ext cx="696190" cy="2615495"/>
+              <a:ext cx="696190" cy="3317862"/>
             </a:xfrm>
             <a:prstGeom prst="bentConnector4">
               <a:avLst>
                 <a:gd name="adj1" fmla="val -32836"/>
-                <a:gd name="adj2" fmla="val 96379"/>
+                <a:gd name="adj2" fmla="val 84972"/>
               </a:avLst>
             </a:prstGeom>
             <a:ln>
@@ -4862,6 +4867,192 @@
           </p:style>
         </p:cxnSp>
       </p:grpSp>
+      <p:sp>
+        <p:nvSpPr>
+          <p:cNvPr id="2" name="Retângulo 1">
+            <a:extLst>
+              <a:ext uri="{FF2B5EF4-FFF2-40B4-BE49-F238E27FC236}">
+                <a16:creationId xmlns:a16="http://schemas.microsoft.com/office/drawing/2014/main" id="{68463828-4A99-479D-9AD4-A4D2F720D159}"/>
+              </a:ext>
+            </a:extLst>
+          </p:cNvPr>
+          <p:cNvSpPr/>
+          <p:nvPr/>
+        </p:nvSpPr>
+        <p:spPr>
+          <a:xfrm>
+            <a:off x="1786831" y="713239"/>
+            <a:ext cx="1100109" cy="923330"/>
+          </a:xfrm>
+          <a:prstGeom prst="rect">
+            <a:avLst/>
+          </a:prstGeom>
+          <a:noFill/>
+        </p:spPr>
+        <p:txBody>
+          <a:bodyPr wrap="none" lIns="91440" tIns="45720" rIns="91440" bIns="45720">
+            <a:spAutoFit/>
+          </a:bodyPr>
+          <a:lstStyle/>
+          <a:p>
+            <a:pPr algn="ctr"/>
+            <a:r>
+              <a:rPr lang="pt-BR" sz="5400" b="0" cap="none" spc="0" dirty="0">
+                <a:ln w="0"/>
+                <a:solidFill>
+                  <a:schemeClr val="accent1"/>
+                </a:solidFill>
+                <a:effectLst>
+                  <a:outerShdw blurRad="38100" dist="25400" dir="5400000" algn="ctr" rotWithShape="0">
+                    <a:srgbClr val="6E747A">
+                      <a:alpha val="43000"/>
+                    </a:srgbClr>
+                  </a:outerShdw>
+                </a:effectLst>
+              </a:rPr>
+              <a:t>For</a:t>
+            </a:r>
+          </a:p>
+        </p:txBody>
+      </p:sp>
+      <p:sp>
+        <p:nvSpPr>
+          <p:cNvPr id="40" name="Retângulo 39">
+            <a:extLst>
+              <a:ext uri="{FF2B5EF4-FFF2-40B4-BE49-F238E27FC236}">
+                <a16:creationId xmlns:a16="http://schemas.microsoft.com/office/drawing/2014/main" id="{A3D001DC-0AA1-4B4B-A9C4-A5B26CCD8481}"/>
+              </a:ext>
+            </a:extLst>
+          </p:cNvPr>
+          <p:cNvSpPr/>
+          <p:nvPr/>
+        </p:nvSpPr>
+        <p:spPr>
+          <a:xfrm>
+            <a:off x="5091575" y="406915"/>
+            <a:ext cx="1826142" cy="923330"/>
+          </a:xfrm>
+          <a:prstGeom prst="rect">
+            <a:avLst/>
+          </a:prstGeom>
+          <a:noFill/>
+        </p:spPr>
+        <p:txBody>
+          <a:bodyPr wrap="none" lIns="91440" tIns="45720" rIns="91440" bIns="45720">
+            <a:spAutoFit/>
+          </a:bodyPr>
+          <a:lstStyle/>
+          <a:p>
+            <a:pPr algn="ctr"/>
+            <a:r>
+              <a:rPr lang="pt-BR" sz="5400" b="0" cap="none" spc="0" dirty="0" err="1">
+                <a:ln w="0"/>
+                <a:solidFill>
+                  <a:schemeClr val="accent1"/>
+                </a:solidFill>
+                <a:effectLst>
+                  <a:outerShdw blurRad="38100" dist="25400" dir="5400000" algn="ctr" rotWithShape="0">
+                    <a:srgbClr val="6E747A">
+                      <a:alpha val="43000"/>
+                    </a:srgbClr>
+                  </a:outerShdw>
+                </a:effectLst>
+              </a:rPr>
+              <a:t>While</a:t>
+            </a:r>
+            <a:endParaRPr lang="pt-BR" sz="5400" b="0" cap="none" spc="0" dirty="0">
+              <a:ln w="0"/>
+              <a:solidFill>
+                <a:schemeClr val="accent1"/>
+              </a:solidFill>
+              <a:effectLst>
+                <a:outerShdw blurRad="38100" dist="25400" dir="5400000" algn="ctr" rotWithShape="0">
+                  <a:srgbClr val="6E747A">
+                    <a:alpha val="43000"/>
+                  </a:srgbClr>
+                </a:outerShdw>
+              </a:effectLst>
+            </a:endParaRPr>
+          </a:p>
+        </p:txBody>
+      </p:sp>
+      <p:sp>
+        <p:nvSpPr>
+          <p:cNvPr id="42" name="Retângulo 41">
+            <a:extLst>
+              <a:ext uri="{FF2B5EF4-FFF2-40B4-BE49-F238E27FC236}">
+                <a16:creationId xmlns:a16="http://schemas.microsoft.com/office/drawing/2014/main" id="{72E3EAF2-EF9D-4E2E-8414-AACC3E025449}"/>
+              </a:ext>
+            </a:extLst>
+          </p:cNvPr>
+          <p:cNvSpPr/>
+          <p:nvPr/>
+        </p:nvSpPr>
+        <p:spPr>
+          <a:xfrm>
+            <a:off x="7882461" y="-29447"/>
+            <a:ext cx="2775120" cy="923330"/>
+          </a:xfrm>
+          <a:prstGeom prst="rect">
+            <a:avLst/>
+          </a:prstGeom>
+          <a:noFill/>
+        </p:spPr>
+        <p:txBody>
+          <a:bodyPr wrap="none" lIns="91440" tIns="45720" rIns="91440" bIns="45720">
+            <a:spAutoFit/>
+          </a:bodyPr>
+          <a:lstStyle/>
+          <a:p>
+            <a:pPr algn="ctr"/>
+            <a:r>
+              <a:rPr lang="pt-BR" sz="5400" b="0" cap="none" spc="0" dirty="0">
+                <a:ln w="0"/>
+                <a:solidFill>
+                  <a:schemeClr val="accent1"/>
+                </a:solidFill>
+                <a:effectLst>
+                  <a:outerShdw blurRad="38100" dist="25400" dir="5400000" algn="ctr" rotWithShape="0">
+                    <a:srgbClr val="6E747A">
+                      <a:alpha val="43000"/>
+                    </a:srgbClr>
+                  </a:outerShdw>
+                </a:effectLst>
+              </a:rPr>
+              <a:t>Do </a:t>
+            </a:r>
+            <a:r>
+              <a:rPr lang="pt-BR" sz="5400" b="0" cap="none" spc="0" dirty="0" err="1">
+                <a:ln w="0"/>
+                <a:solidFill>
+                  <a:schemeClr val="accent1"/>
+                </a:solidFill>
+                <a:effectLst>
+                  <a:outerShdw blurRad="38100" dist="25400" dir="5400000" algn="ctr" rotWithShape="0">
+                    <a:srgbClr val="6E747A">
+                      <a:alpha val="43000"/>
+                    </a:srgbClr>
+                  </a:outerShdw>
+                </a:effectLst>
+              </a:rPr>
+              <a:t>While</a:t>
+            </a:r>
+            <a:endParaRPr lang="pt-BR" sz="5400" b="0" cap="none" spc="0" dirty="0">
+              <a:ln w="0"/>
+              <a:solidFill>
+                <a:schemeClr val="accent1"/>
+              </a:solidFill>
+              <a:effectLst>
+                <a:outerShdw blurRad="38100" dist="25400" dir="5400000" algn="ctr" rotWithShape="0">
+                  <a:srgbClr val="6E747A">
+                    <a:alpha val="43000"/>
+                  </a:srgbClr>
+                </a:outerShdw>
+              </a:effectLst>
+            </a:endParaRPr>
+          </a:p>
+        </p:txBody>
+      </p:sp>
     </p:spTree>
     <p:extLst>
       <p:ext uri="{BB962C8B-B14F-4D97-AF65-F5344CB8AC3E}">
